--- a/Chapter2/First_Hosu_Lee.pptx
+++ b/Chapter2/First_Hosu_Lee.pptx
@@ -5,10 +5,10 @@
     <p:sldMasterId id="2147483794" r:id="rId1"/>
   </p:sldMasterIdLst>
   <p:notesMasterIdLst>
-    <p:notesMasterId r:id="rId17"/>
+    <p:notesMasterId r:id="rId18"/>
   </p:notesMasterIdLst>
   <p:handoutMasterIdLst>
-    <p:handoutMasterId r:id="rId18"/>
+    <p:handoutMasterId r:id="rId19"/>
   </p:handoutMasterIdLst>
   <p:sldIdLst>
     <p:sldId id="256" r:id="rId2"/>
@@ -26,6 +26,7 @@
     <p:sldId id="273" r:id="rId14"/>
     <p:sldId id="274" r:id="rId15"/>
     <p:sldId id="275" r:id="rId16"/>
+    <p:sldId id="277" r:id="rId17"/>
   </p:sldIdLst>
   <p:sldSz cx="12192000" cy="6858000"/>
   <p:notesSz cx="6858000" cy="9144000"/>
@@ -217,7 +218,7 @@
           <a:p>
             <a:fld id="{ED4373FF-3937-4BFF-8380-F970A1E5D58E}" type="datetimeFigureOut">
               <a:rPr lang="ko-KR" altLang="en-US" smtClean="0"/>
-              <a:t>2019-09-23</a:t>
+              <a:t>2019-09-24</a:t>
             </a:fld>
             <a:endParaRPr lang="ko-KR" altLang="en-US"/>
           </a:p>
@@ -382,7 +383,7 @@
           <a:p>
             <a:fld id="{A3E4DF27-BC13-4207-9296-9DD458FBF34C}" type="datetimeFigureOut">
               <a:rPr lang="ko-KR" altLang="en-US" smtClean="0"/>
-              <a:t>2019-09-23</a:t>
+              <a:t>2019-09-24</a:t>
             </a:fld>
             <a:endParaRPr lang="ko-KR" altLang="en-US"/>
           </a:p>
@@ -1424,6 +1425,161 @@
 </p:notes>
 </file>
 
+<file path=ppt/notesSlides/notesSlide16.xml><?xml version="1.0" encoding="utf-8"?>
+<p:notes xmlns:a="http://schemas.openxmlformats.org/drawingml/2006/main" xmlns:r="http://schemas.openxmlformats.org/officeDocument/2006/relationships" xmlns:p="http://schemas.openxmlformats.org/presentationml/2006/main">
+  <p:cSld>
+    <p:spTree>
+      <p:nvGrpSpPr>
+        <p:cNvPr id="1" name=""/>
+        <p:cNvGrpSpPr/>
+        <p:nvPr/>
+      </p:nvGrpSpPr>
+      <p:grpSpPr>
+        <a:xfrm>
+          <a:off x="0" y="0"/>
+          <a:ext cx="0" cy="0"/>
+          <a:chOff x="0" y="0"/>
+          <a:chExt cx="0" cy="0"/>
+        </a:xfrm>
+      </p:grpSpPr>
+      <p:sp>
+        <p:nvSpPr>
+          <p:cNvPr id="2" name="슬라이드 이미지 개체 틀 1"/>
+          <p:cNvSpPr>
+            <a:spLocks noGrp="1" noRot="1" noChangeAspect="1"/>
+          </p:cNvSpPr>
+          <p:nvPr>
+            <p:ph type="sldImg"/>
+          </p:nvPr>
+        </p:nvSpPr>
+        <p:spPr/>
+      </p:sp>
+      <p:sp>
+        <p:nvSpPr>
+          <p:cNvPr id="3" name="슬라이드 노트 개체 틀 2"/>
+          <p:cNvSpPr>
+            <a:spLocks noGrp="1"/>
+          </p:cNvSpPr>
+          <p:nvPr>
+            <p:ph type="body" idx="1"/>
+          </p:nvPr>
+        </p:nvSpPr>
+        <p:spPr/>
+        <p:txBody>
+          <a:bodyPr/>
+          <a:lstStyle/>
+          <a:p>
+            <a:pPr>
+              <a:buFontTx/>
+              <a:buChar char="-"/>
+            </a:pPr>
+            <a:r>
+              <a:rPr lang="en-US" altLang="ko-KR" dirty="0" smtClean="0"/>
+              <a:t>Vector data</a:t>
+            </a:r>
+            <a:r>
+              <a:rPr lang="en-US" altLang="ko-KR" baseline="0" dirty="0" smtClean="0"/>
+              <a:t> is the most popular.</a:t>
+            </a:r>
+            <a:endParaRPr lang="en-US" altLang="ko-KR" dirty="0" smtClean="0"/>
+          </a:p>
+          <a:p>
+            <a:pPr>
+              <a:buFontTx/>
+              <a:buChar char="-"/>
+            </a:pPr>
+            <a:r>
+              <a:rPr lang="en-US" altLang="ko-KR" dirty="0" err="1" smtClean="0"/>
+              <a:t>Timeseries</a:t>
+            </a:r>
+            <a:r>
+              <a:rPr lang="en-US" altLang="ko-KR" dirty="0" smtClean="0"/>
+              <a:t> data or sequence data</a:t>
+            </a:r>
+          </a:p>
+          <a:p>
+            <a:pPr>
+              <a:buFontTx/>
+              <a:buChar char="-"/>
+            </a:pPr>
+            <a:r>
+              <a:rPr lang="en-US" altLang="ko-KR" dirty="0" smtClean="0"/>
+              <a:t>Images: channels.</a:t>
+            </a:r>
+            <a:r>
+              <a:rPr lang="en-US" altLang="ko-KR" baseline="0" dirty="0" smtClean="0"/>
+              <a:t> </a:t>
+            </a:r>
+            <a:r>
+              <a:rPr lang="en-US" altLang="ko-KR" sz="1200" b="0" i="0" u="none" strike="noStrike" kern="1200" baseline="0" dirty="0" smtClean="0">
+                <a:solidFill>
+                  <a:schemeClr val="tx1"/>
+                </a:solidFill>
+                <a:latin typeface="+mn-lt"/>
+                <a:ea typeface="+mn-ea"/>
+                <a:cs typeface="+mn-cs"/>
+              </a:rPr>
+              <a:t>grayscale images is 1. Color image is 3</a:t>
+            </a:r>
+            <a:endParaRPr lang="en-US" altLang="ko-KR" dirty="0" smtClean="0"/>
+          </a:p>
+          <a:p>
+            <a:pPr>
+              <a:buFontTx/>
+              <a:buChar char="-"/>
+            </a:pPr>
+            <a:r>
+              <a:rPr lang="en-US" altLang="ko-KR" dirty="0" smtClean="0"/>
+              <a:t>Video:</a:t>
+            </a:r>
+            <a:endParaRPr lang="ko-KR" altLang="ko-KR" sz="1200" kern="1200" dirty="0">
+              <a:solidFill>
+                <a:schemeClr val="tx1"/>
+              </a:solidFill>
+              <a:effectLst/>
+              <a:latin typeface="+mn-lt"/>
+              <a:ea typeface="+mn-ea"/>
+              <a:cs typeface="+mn-cs"/>
+            </a:endParaRPr>
+          </a:p>
+        </p:txBody>
+      </p:sp>
+      <p:sp>
+        <p:nvSpPr>
+          <p:cNvPr id="4" name="슬라이드 번호 개체 틀 3"/>
+          <p:cNvSpPr>
+            <a:spLocks noGrp="1"/>
+          </p:cNvSpPr>
+          <p:nvPr>
+            <p:ph type="sldNum" sz="quarter" idx="5"/>
+          </p:nvPr>
+        </p:nvSpPr>
+        <p:spPr/>
+        <p:txBody>
+          <a:bodyPr/>
+          <a:lstStyle/>
+          <a:p>
+            <a:fld id="{C0AE7AB5-8AE8-4589-9464-2B19E371EC1D}" type="slidenum">
+              <a:rPr lang="ko-KR" altLang="en-US" smtClean="0"/>
+              <a:t>16</a:t>
+            </a:fld>
+            <a:endParaRPr lang="ko-KR" altLang="en-US"/>
+          </a:p>
+        </p:txBody>
+      </p:sp>
+    </p:spTree>
+    <p:extLst>
+      <p:ext uri="{BB962C8B-B14F-4D97-AF65-F5344CB8AC3E}">
+        <p14:creationId xmlns:p14="http://schemas.microsoft.com/office/powerpoint/2010/main" val="3023544196"/>
+      </p:ext>
+    </p:extLst>
+  </p:cSld>
+  <p:clrMapOvr>
+    <a:masterClrMapping/>
+  </p:clrMapOvr>
+</p:notes>
+</file>
+
 <file path=ppt/notesSlides/notesSlide2.xml><?xml version="1.0" encoding="utf-8"?>
 <p:notes xmlns:a="http://schemas.openxmlformats.org/drawingml/2006/main" xmlns:r="http://schemas.openxmlformats.org/officeDocument/2006/relationships" xmlns:p="http://schemas.openxmlformats.org/presentationml/2006/main">
   <p:cSld>
@@ -1561,53 +1717,6 @@
           <a:bodyPr/>
           <a:lstStyle/>
           <a:p>
-            <a:r>
-              <a:rPr lang="en-US" altLang="ko-KR" sz="1200" b="0" i="0" u="none" strike="noStrike" kern="1200" baseline="0" dirty="0" smtClean="0">
-                <a:solidFill>
-                  <a:schemeClr val="tx1"/>
-                </a:solidFill>
-                <a:latin typeface="+mn-lt"/>
-                <a:ea typeface="+mn-ea"/>
-                <a:cs typeface="+mn-cs"/>
-              </a:rPr>
-              <a:t>You can think of “solving” MNIST as the “Hello World” of deep learning—it’s what you do to verify that your algorithms are working as expected. </a:t>
-            </a:r>
-            <a:r>
-              <a:rPr lang="en-US" altLang="ko-KR" sz="1200" kern="1200" dirty="0" smtClean="0">
-                <a:solidFill>
-                  <a:schemeClr val="tx1"/>
-                </a:solidFill>
-                <a:effectLst/>
-                <a:latin typeface="+mn-lt"/>
-                <a:ea typeface="+mn-ea"/>
-                <a:cs typeface="+mn-cs"/>
-              </a:rPr>
-              <a:t>You will see the </a:t>
-            </a:r>
-            <a:r>
-              <a:rPr lang="en-US" altLang="ko-KR" sz="1200" kern="1200" dirty="0" err="1" smtClean="0">
-                <a:solidFill>
-                  <a:schemeClr val="tx1"/>
-                </a:solidFill>
-                <a:effectLst/>
-                <a:latin typeface="+mn-lt"/>
-                <a:ea typeface="+mn-ea"/>
-                <a:cs typeface="+mn-cs"/>
-              </a:rPr>
-              <a:t>mnist</a:t>
-            </a:r>
-            <a:r>
-              <a:rPr lang="en-US" altLang="ko-KR" sz="1200" kern="1200" baseline="0" dirty="0" smtClean="0">
-                <a:solidFill>
-                  <a:schemeClr val="tx1"/>
-                </a:solidFill>
-                <a:effectLst/>
-                <a:latin typeface="+mn-lt"/>
-                <a:ea typeface="+mn-ea"/>
-                <a:cs typeface="+mn-cs"/>
-              </a:rPr>
-              <a:t> in the many paper.</a:t>
-            </a:r>
             <a:endParaRPr lang="ko-KR" altLang="ko-KR" sz="1200" kern="1200" dirty="0">
               <a:solidFill>
                 <a:schemeClr val="tx1"/>
@@ -1880,7 +1989,29 @@
                 <a:ea typeface="+mn-ea"/>
                 <a:cs typeface="+mn-cs"/>
               </a:rPr>
-              <a:t>layer will return an array of 10 probability scores (summing to 1)</a:t>
+              <a:t>will </a:t>
+            </a:r>
+            <a:r>
+              <a:rPr lang="en-US" altLang="ko-KR" sz="1200" b="0" i="0" u="none" strike="noStrike" kern="1200" baseline="0" dirty="0" smtClean="0">
+                <a:solidFill>
+                  <a:schemeClr val="tx1"/>
+                </a:solidFill>
+                <a:latin typeface="+mn-lt"/>
+                <a:ea typeface="+mn-ea"/>
+                <a:cs typeface="+mn-cs"/>
+              </a:rPr>
+              <a:t>return an array of 10 probability scores (summing to 1</a:t>
+            </a:r>
+            <a:r>
+              <a:rPr lang="en-US" altLang="ko-KR" sz="1200" b="0" i="0" u="none" strike="noStrike" kern="1200" baseline="0" dirty="0" smtClean="0">
+                <a:solidFill>
+                  <a:schemeClr val="tx1"/>
+                </a:solidFill>
+                <a:latin typeface="+mn-lt"/>
+                <a:ea typeface="+mn-ea"/>
+                <a:cs typeface="+mn-cs"/>
+              </a:rPr>
+              <a:t>). You don’t need to understand. It will be explained next chapter more detail.</a:t>
             </a:r>
             <a:endParaRPr lang="ko-KR" altLang="ko-KR" sz="1200" kern="1200" dirty="0">
               <a:solidFill>
@@ -2284,23 +2415,10 @@
                 <a:ea typeface="+mn-ea"/>
                 <a:cs typeface="+mn-cs"/>
               </a:rPr>
-              <a:t>The test-set accuracy turns out to be 97.8%—that’s quite a bit lower than the training set accuracy. This gap between training accuracy and test accuracy is an example </a:t>
-            </a:r>
-            <a:r>
-              <a:rPr lang="en-US" altLang="ko-KR" sz="1200" b="0" i="0" u="none" strike="noStrike" kern="1200" baseline="0" smtClean="0">
-                <a:solidFill>
-                  <a:schemeClr val="tx1"/>
-                </a:solidFill>
-                <a:latin typeface="+mn-lt"/>
-                <a:ea typeface="+mn-ea"/>
-                <a:cs typeface="+mn-cs"/>
-              </a:rPr>
-              <a:t>of </a:t>
-            </a:r>
-          </a:p>
-          <a:p>
-            <a:r>
-              <a:rPr lang="en-US" altLang="ko-KR" sz="1200" b="0" i="1" u="none" strike="noStrike" kern="1200" baseline="0" smtClean="0">
+              <a:t>The test-set accuracy turns out to be 97.8%—that’s quite a bit lower than the training set accuracy. This gap between training accuracy and test accuracy is an example of </a:t>
+            </a:r>
+            <a:r>
+              <a:rPr lang="en-US" altLang="ko-KR" sz="1200" b="0" i="1" u="none" strike="noStrike" kern="1200" baseline="0" dirty="0" smtClean="0">
                 <a:solidFill>
                   <a:schemeClr val="tx1"/>
                 </a:solidFill>
@@ -2311,7 +2429,7 @@
               <a:t>overfitting</a:t>
             </a:r>
             <a:r>
-              <a:rPr lang="en-US" altLang="ko-KR" sz="1200" b="0" i="0" u="none" strike="noStrike" kern="1200" baseline="0" smtClean="0">
+              <a:rPr lang="en-US" altLang="ko-KR" sz="1200" b="0" i="0" u="none" strike="noStrike" kern="1200" baseline="0" dirty="0" smtClean="0">
                 <a:solidFill>
                   <a:schemeClr val="tx1"/>
                 </a:solidFill>
@@ -2529,7 +2647,7 @@
           <a:p>
             <a:fld id="{9ED0C4A3-6916-4AD4-9E37-344513D48F38}" type="datetimeFigureOut">
               <a:rPr lang="ko-KR" altLang="en-US" smtClean="0"/>
-              <a:t>2019-09-23</a:t>
+              <a:t>2019-09-24</a:t>
             </a:fld>
             <a:endParaRPr lang="ko-KR" altLang="en-US"/>
           </a:p>
@@ -2793,7 +2911,7 @@
           <a:p>
             <a:fld id="{9ED0C4A3-6916-4AD4-9E37-344513D48F38}" type="datetimeFigureOut">
               <a:rPr lang="ko-KR" altLang="en-US" smtClean="0"/>
-              <a:t>2019-09-23</a:t>
+              <a:t>2019-09-24</a:t>
             </a:fld>
             <a:endParaRPr lang="ko-KR" altLang="en-US"/>
           </a:p>
@@ -2970,7 +3088,7 @@
           <a:p>
             <a:fld id="{9ED0C4A3-6916-4AD4-9E37-344513D48F38}" type="datetimeFigureOut">
               <a:rPr lang="ko-KR" altLang="en-US" smtClean="0"/>
-              <a:t>2019-09-23</a:t>
+              <a:t>2019-09-24</a:t>
             </a:fld>
             <a:endParaRPr lang="ko-KR" altLang="en-US"/>
           </a:p>
@@ -3157,7 +3275,7 @@
           <a:p>
             <a:fld id="{9ED0C4A3-6916-4AD4-9E37-344513D48F38}" type="datetimeFigureOut">
               <a:rPr lang="ko-KR" altLang="en-US" smtClean="0"/>
-              <a:t>2019-09-23</a:t>
+              <a:t>2019-09-24</a:t>
             </a:fld>
             <a:endParaRPr lang="ko-KR" altLang="en-US"/>
           </a:p>
@@ -3513,7 +3631,7 @@
           <a:p>
             <a:fld id="{9ED0C4A3-6916-4AD4-9E37-344513D48F38}" type="datetimeFigureOut">
               <a:rPr lang="ko-KR" altLang="en-US" smtClean="0"/>
-              <a:t>2019-09-23</a:t>
+              <a:t>2019-09-24</a:t>
             </a:fld>
             <a:endParaRPr lang="ko-KR" altLang="en-US"/>
           </a:p>
@@ -3655,7 +3773,7 @@
           <a:p>
             <a:fld id="{9ED0C4A3-6916-4AD4-9E37-344513D48F38}" type="datetimeFigureOut">
               <a:rPr lang="ko-KR" altLang="en-US" smtClean="0"/>
-              <a:t>2019-09-23</a:t>
+              <a:t>2019-09-24</a:t>
             </a:fld>
             <a:endParaRPr lang="ko-KR" altLang="en-US"/>
           </a:p>
@@ -3908,7 +4026,7 @@
           <a:p>
             <a:fld id="{9ED0C4A3-6916-4AD4-9E37-344513D48F38}" type="datetimeFigureOut">
               <a:rPr lang="ko-KR" altLang="en-US" smtClean="0"/>
-              <a:t>2019-09-23</a:t>
+              <a:t>2019-09-24</a:t>
             </a:fld>
             <a:endParaRPr lang="ko-KR" altLang="en-US"/>
           </a:p>
@@ -4147,7 +4265,7 @@
           <a:p>
             <a:fld id="{9ED0C4A3-6916-4AD4-9E37-344513D48F38}" type="datetimeFigureOut">
               <a:rPr lang="ko-KR" altLang="en-US" smtClean="0"/>
-              <a:t>2019-09-23</a:t>
+              <a:t>2019-09-24</a:t>
             </a:fld>
             <a:endParaRPr lang="ko-KR" altLang="en-US"/>
           </a:p>
@@ -4514,7 +4632,7 @@
           <a:p>
             <a:fld id="{9ED0C4A3-6916-4AD4-9E37-344513D48F38}" type="datetimeFigureOut">
               <a:rPr lang="ko-KR" altLang="en-US" smtClean="0"/>
-              <a:t>2019-09-23</a:t>
+              <a:t>2019-09-24</a:t>
             </a:fld>
             <a:endParaRPr lang="ko-KR" altLang="en-US"/>
           </a:p>
@@ -4639,7 +4757,7 @@
           <a:p>
             <a:fld id="{9ED0C4A3-6916-4AD4-9E37-344513D48F38}" type="datetimeFigureOut">
               <a:rPr lang="ko-KR" altLang="en-US" smtClean="0"/>
-              <a:t>2019-09-23</a:t>
+              <a:t>2019-09-24</a:t>
             </a:fld>
             <a:endParaRPr lang="ko-KR" altLang="en-US"/>
           </a:p>
@@ -4741,7 +4859,7 @@
           <a:p>
             <a:fld id="{9ED0C4A3-6916-4AD4-9E37-344513D48F38}" type="datetimeFigureOut">
               <a:rPr lang="ko-KR" altLang="en-US" smtClean="0"/>
-              <a:t>2019-09-23</a:t>
+              <a:t>2019-09-24</a:t>
             </a:fld>
             <a:endParaRPr lang="ko-KR" altLang="en-US"/>
           </a:p>
@@ -5025,7 +5143,7 @@
           <a:p>
             <a:fld id="{9ED0C4A3-6916-4AD4-9E37-344513D48F38}" type="datetimeFigureOut">
               <a:rPr lang="ko-KR" altLang="en-US" smtClean="0"/>
-              <a:t>2019-09-23</a:t>
+              <a:t>2019-09-24</a:t>
             </a:fld>
             <a:endParaRPr lang="ko-KR" altLang="en-US"/>
           </a:p>
@@ -5236,7 +5354,7 @@
           <a:p>
             <a:fld id="{9ED0C4A3-6916-4AD4-9E37-344513D48F38}" type="datetimeFigureOut">
               <a:rPr lang="ko-KR" altLang="en-US" smtClean="0"/>
-              <a:t>2019-09-23</a:t>
+              <a:t>2019-09-24</a:t>
             </a:fld>
             <a:endParaRPr lang="ko-KR" altLang="en-US"/>
           </a:p>
@@ -6300,7 +6418,15 @@
             </a:r>
             <a:r>
               <a:rPr lang="en-US" altLang="ko-KR" sz="2400" dirty="0"/>
-              <a:t>. 3D tensors and higher-dimensional </a:t>
+              <a:t>. 3D </a:t>
+            </a:r>
+            <a:r>
+              <a:rPr lang="en-US" altLang="ko-KR" sz="2400" dirty="0" smtClean="0"/>
+              <a:t>tensors </a:t>
+            </a:r>
+            <a:r>
+              <a:rPr lang="en-US" altLang="ko-KR" sz="2400" dirty="0"/>
+              <a:t>and higher-dimensional </a:t>
             </a:r>
             <a:r>
               <a:rPr lang="en-US" altLang="ko-KR" sz="2400" dirty="0" smtClean="0"/>
@@ -8040,7 +8166,6 @@
               <a:rPr lang="en-US" altLang="ko-KR" sz="2000" b="1" dirty="0"/>
               <a:t>batch size of 128:</a:t>
             </a:r>
-            <a:endParaRPr lang="en-US" altLang="ko-KR" sz="2000" b="1" dirty="0"/>
           </a:p>
         </p:txBody>
       </p:sp>
@@ -8107,7 +8232,6 @@
               <a:rPr lang="en-US" altLang="ko-KR" sz="2000" b="1" dirty="0"/>
               <a:t>And the nth batch:</a:t>
             </a:r>
-            <a:endParaRPr lang="en-US" altLang="ko-KR" sz="2000" b="1" dirty="0"/>
           </a:p>
         </p:txBody>
       </p:sp>
@@ -8509,6 +8633,97 @@
 </p:sld>
 </file>
 
+<file path=ppt/slides/slide16.xml><?xml version="1.0" encoding="utf-8"?>
+<p:sld xmlns:a="http://schemas.openxmlformats.org/drawingml/2006/main" xmlns:r="http://schemas.openxmlformats.org/officeDocument/2006/relationships" xmlns:p="http://schemas.openxmlformats.org/presentationml/2006/main">
+  <p:cSld>
+    <p:spTree>
+      <p:nvGrpSpPr>
+        <p:cNvPr id="1" name=""/>
+        <p:cNvGrpSpPr/>
+        <p:nvPr/>
+      </p:nvGrpSpPr>
+      <p:grpSpPr>
+        <a:xfrm>
+          <a:off x="0" y="0"/>
+          <a:ext cx="0" cy="0"/>
+          <a:chOff x="0" y="0"/>
+          <a:chExt cx="0" cy="0"/>
+        </a:xfrm>
+      </p:grpSpPr>
+      <p:sp>
+        <p:nvSpPr>
+          <p:cNvPr id="4" name="제목 3"/>
+          <p:cNvSpPr>
+            <a:spLocks noGrp="1"/>
+          </p:cNvSpPr>
+          <p:nvPr>
+            <p:ph type="title"/>
+          </p:nvPr>
+        </p:nvSpPr>
+        <p:spPr/>
+        <p:txBody>
+          <a:bodyPr>
+            <a:normAutofit/>
+          </a:bodyPr>
+          <a:lstStyle/>
+          <a:p>
+            <a:endParaRPr lang="en-US" altLang="ko-KR" sz="2800" b="1" i="1" dirty="0"/>
+          </a:p>
+        </p:txBody>
+      </p:sp>
+      <p:sp>
+        <p:nvSpPr>
+          <p:cNvPr id="6" name="내용 개체 틀 5"/>
+          <p:cNvSpPr>
+            <a:spLocks noGrp="1"/>
+          </p:cNvSpPr>
+          <p:nvPr>
+            <p:ph idx="1"/>
+          </p:nvPr>
+        </p:nvSpPr>
+        <p:spPr>
+          <a:xfrm>
+            <a:off x="179282" y="960083"/>
+            <a:ext cx="12133220" cy="5406899"/>
+          </a:xfrm>
+        </p:spPr>
+        <p:txBody>
+          <a:bodyPr anchor="ctr">
+            <a:normAutofit/>
+          </a:bodyPr>
+          <a:lstStyle/>
+          <a:p>
+            <a:pPr marL="0" indent="0" algn="ctr">
+              <a:buNone/>
+            </a:pPr>
+            <a:r>
+              <a:rPr lang="en-US" altLang="ko-KR" sz="6000" dirty="0" smtClean="0"/>
+              <a:t>Thank you</a:t>
+            </a:r>
+            <a:endParaRPr lang="en-US" altLang="ko-KR" sz="6000" dirty="0"/>
+          </a:p>
+        </p:txBody>
+      </p:sp>
+    </p:spTree>
+    <p:extLst>
+      <p:ext uri="{BB962C8B-B14F-4D97-AF65-F5344CB8AC3E}">
+        <p14:creationId xmlns:p14="http://schemas.microsoft.com/office/powerpoint/2010/main" val="3314750018"/>
+      </p:ext>
+    </p:extLst>
+  </p:cSld>
+  <p:clrMapOvr>
+    <a:masterClrMapping/>
+  </p:clrMapOvr>
+  <p:timing>
+    <p:tnLst>
+      <p:par>
+        <p:cTn id="1" dur="indefinite" restart="never" nodeType="tmRoot"/>
+      </p:par>
+    </p:tnLst>
+  </p:timing>
+</p:sld>
+</file>
+
 <file path=ppt/slides/slide2.xml><?xml version="1.0" encoding="utf-8"?>
 <p:sld xmlns:a="http://schemas.openxmlformats.org/drawingml/2006/main" xmlns:r="http://schemas.openxmlformats.org/officeDocument/2006/relationships" xmlns:p="http://schemas.openxmlformats.org/presentationml/2006/main">
   <p:cSld>
@@ -9669,7 +9884,11 @@
             <a:pPr algn="ctr"/>
             <a:r>
               <a:rPr lang="en-US" altLang="ko-KR" sz="2000" i="1" dirty="0" smtClean="0"/>
-              <a:t>(# of samples, horizontal pixels, vertical pixels)</a:t>
+              <a:t>(# of samples, </a:t>
+            </a:r>
+            <a:r>
+              <a:rPr lang="en-US" altLang="ko-KR" sz="2000" i="1" dirty="0" smtClean="0"/>
+              <a:t>height, width)</a:t>
             </a:r>
             <a:endParaRPr lang="ko-KR" altLang="en-US" sz="2000" i="1" dirty="0"/>
           </a:p>
@@ -9949,7 +10168,7 @@
               <a:t> </a:t>
             </a:r>
             <a:r>
-              <a:rPr lang="en-US" altLang="ko-KR" i="1" dirty="0"/>
+              <a:rPr lang="en-US" altLang="ko-KR" b="1" i="1" dirty="0"/>
               <a:t>A loss function</a:t>
             </a:r>
           </a:p>
@@ -9959,7 +10178,7 @@
               <a:t> </a:t>
             </a:r>
             <a:r>
-              <a:rPr lang="en-US" altLang="ko-KR" i="1" dirty="0"/>
+              <a:rPr lang="en-US" altLang="ko-KR" b="1" i="1" dirty="0"/>
               <a:t>An optimizer</a:t>
             </a:r>
           </a:p>
@@ -9974,9 +10193,13 @@
             </a:r>
             <a:r>
               <a:rPr lang="en-US" altLang="ko-KR" i="1" dirty="0" smtClean="0"/>
-              <a:t>testing – Accuracy</a:t>
-            </a:r>
-            <a:endParaRPr lang="ko-KR" altLang="en-US" i="1" dirty="0"/>
+              <a:t>testing – </a:t>
+            </a:r>
+            <a:r>
+              <a:rPr lang="en-US" altLang="ko-KR" b="1" i="1" u="sng" dirty="0" smtClean="0"/>
+              <a:t>Accuracy</a:t>
+            </a:r>
+            <a:endParaRPr lang="ko-KR" altLang="en-US" b="1" i="1" u="sng" dirty="0"/>
           </a:p>
           <a:p>
             <a:pPr marL="0" indent="0">
